--- a/ppt 16-9/0990.把你的前程托与.pptx
+++ b/ppt 16-9/0990.把你的前程托与.pptx
@@ -129,7 +129,7 @@
           <p:cNvPr id="2" name="标题 1">
             <a:extLst>
               <a:ext uri="{FF2B5EF4-FFF2-40B4-BE49-F238E27FC236}">
-                <a16:creationId xmlns:a16="http://schemas.microsoft.com/office/drawing/2014/main" id="{E13064A8-0C97-EA8A-485A-D4AFD510CCEF}"/>
+                <a16:creationId xmlns:a16="http://schemas.microsoft.com/office/drawing/2014/main" id="{E0FDC9C3-4620-A079-F21D-916229FEC431}"/>
               </a:ext>
             </a:extLst>
           </p:cNvPr>
@@ -166,7 +166,7 @@
           <p:cNvPr id="3" name="副标题 2">
             <a:extLst>
               <a:ext uri="{FF2B5EF4-FFF2-40B4-BE49-F238E27FC236}">
-                <a16:creationId xmlns:a16="http://schemas.microsoft.com/office/drawing/2014/main" id="{E7DC6053-D849-C838-72E7-D30CDBD6FA79}"/>
+                <a16:creationId xmlns:a16="http://schemas.microsoft.com/office/drawing/2014/main" id="{0D6D6FD8-19A4-1F4B-960E-1D55B268FE06}"/>
               </a:ext>
             </a:extLst>
           </p:cNvPr>
@@ -236,7 +236,7 @@
           <p:cNvPr id="4" name="日期占位符 3">
             <a:extLst>
               <a:ext uri="{FF2B5EF4-FFF2-40B4-BE49-F238E27FC236}">
-                <a16:creationId xmlns:a16="http://schemas.microsoft.com/office/drawing/2014/main" id="{EB4885A6-F55F-293F-A96D-045513B00C3B}"/>
+                <a16:creationId xmlns:a16="http://schemas.microsoft.com/office/drawing/2014/main" id="{E0EA4EF8-3B72-B038-E504-DFB7251110B1}"/>
               </a:ext>
             </a:extLst>
           </p:cNvPr>
@@ -252,7 +252,7 @@
           <a:bodyPr/>
           <a:lstStyle/>
           <a:p>
-            <a:fld id="{1E23F537-17FB-461F-ADA4-9FF4B9BEA363}" type="datetimeFigureOut">
+            <a:fld id="{89B7F464-0B56-4FF2-8A4E-D35ED3FC3167}" type="datetimeFigureOut">
               <a:rPr lang="zh-CN" altLang="en-US" smtClean="0"/>
               <a:t>2024/3/10</a:t>
             </a:fld>
@@ -265,7 +265,7 @@
           <p:cNvPr id="5" name="页脚占位符 4">
             <a:extLst>
               <a:ext uri="{FF2B5EF4-FFF2-40B4-BE49-F238E27FC236}">
-                <a16:creationId xmlns:a16="http://schemas.microsoft.com/office/drawing/2014/main" id="{86C69FB1-B40B-8D64-F437-9435B326D8DF}"/>
+                <a16:creationId xmlns:a16="http://schemas.microsoft.com/office/drawing/2014/main" id="{8051BB7F-F2E9-6965-A884-CF85E39F2DF3}"/>
               </a:ext>
             </a:extLst>
           </p:cNvPr>
@@ -290,7 +290,7 @@
           <p:cNvPr id="6" name="灯片编号占位符 5">
             <a:extLst>
               <a:ext uri="{FF2B5EF4-FFF2-40B4-BE49-F238E27FC236}">
-                <a16:creationId xmlns:a16="http://schemas.microsoft.com/office/drawing/2014/main" id="{35FFA58D-757B-638C-A927-FCFA8C4BF91C}"/>
+                <a16:creationId xmlns:a16="http://schemas.microsoft.com/office/drawing/2014/main" id="{7CE36378-2E23-7610-6A58-6B5B12FDD4AA}"/>
               </a:ext>
             </a:extLst>
           </p:cNvPr>
@@ -306,7 +306,7 @@
           <a:bodyPr/>
           <a:lstStyle/>
           <a:p>
-            <a:fld id="{374B02B2-6097-4865-AEB7-FAC45814F4D7}" type="slidenum">
+            <a:fld id="{551CD603-F19E-4870-AD9D-81E467D363A6}" type="slidenum">
               <a:rPr lang="zh-CN" altLang="en-US" smtClean="0"/>
               <a:t>‹#›</a:t>
             </a:fld>
@@ -317,7 +317,7 @@
     </p:spTree>
     <p:extLst>
       <p:ext uri="{BB962C8B-B14F-4D97-AF65-F5344CB8AC3E}">
-        <p14:creationId xmlns:p14="http://schemas.microsoft.com/office/powerpoint/2010/main" val="2030056808"/>
+        <p14:creationId xmlns:p14="http://schemas.microsoft.com/office/powerpoint/2010/main" val="945507176"/>
       </p:ext>
     </p:extLst>
   </p:cSld>
@@ -349,7 +349,7 @@
           <p:cNvPr id="2" name="标题 1">
             <a:extLst>
               <a:ext uri="{FF2B5EF4-FFF2-40B4-BE49-F238E27FC236}">
-                <a16:creationId xmlns:a16="http://schemas.microsoft.com/office/drawing/2014/main" id="{4EB584A8-5780-7566-7CA1-34A431F917B6}"/>
+                <a16:creationId xmlns:a16="http://schemas.microsoft.com/office/drawing/2014/main" id="{7F20A9D2-2790-6842-8228-E5DF0107D25E}"/>
               </a:ext>
             </a:extLst>
           </p:cNvPr>
@@ -377,7 +377,7 @@
           <p:cNvPr id="3" name="竖排文字占位符 2">
             <a:extLst>
               <a:ext uri="{FF2B5EF4-FFF2-40B4-BE49-F238E27FC236}">
-                <a16:creationId xmlns:a16="http://schemas.microsoft.com/office/drawing/2014/main" id="{E9842461-8A92-57FC-9C62-5B9A61A0386A}"/>
+                <a16:creationId xmlns:a16="http://schemas.microsoft.com/office/drawing/2014/main" id="{DB11DA73-856D-7B95-3AD3-4A88A1A920A9}"/>
               </a:ext>
             </a:extLst>
           </p:cNvPr>
@@ -434,7 +434,7 @@
           <p:cNvPr id="4" name="日期占位符 3">
             <a:extLst>
               <a:ext uri="{FF2B5EF4-FFF2-40B4-BE49-F238E27FC236}">
-                <a16:creationId xmlns:a16="http://schemas.microsoft.com/office/drawing/2014/main" id="{AC8834C6-F1E0-BF07-5615-FF7FBA24C767}"/>
+                <a16:creationId xmlns:a16="http://schemas.microsoft.com/office/drawing/2014/main" id="{CA81F7EB-2F00-587F-FF74-6324D325283A}"/>
               </a:ext>
             </a:extLst>
           </p:cNvPr>
@@ -450,7 +450,7 @@
           <a:bodyPr/>
           <a:lstStyle/>
           <a:p>
-            <a:fld id="{1E23F537-17FB-461F-ADA4-9FF4B9BEA363}" type="datetimeFigureOut">
+            <a:fld id="{89B7F464-0B56-4FF2-8A4E-D35ED3FC3167}" type="datetimeFigureOut">
               <a:rPr lang="zh-CN" altLang="en-US" smtClean="0"/>
               <a:t>2024/3/10</a:t>
             </a:fld>
@@ -463,7 +463,7 @@
           <p:cNvPr id="5" name="页脚占位符 4">
             <a:extLst>
               <a:ext uri="{FF2B5EF4-FFF2-40B4-BE49-F238E27FC236}">
-                <a16:creationId xmlns:a16="http://schemas.microsoft.com/office/drawing/2014/main" id="{18ECD609-DF82-B3CC-433A-69CFB3680849}"/>
+                <a16:creationId xmlns:a16="http://schemas.microsoft.com/office/drawing/2014/main" id="{A45415DB-4431-8B0A-1623-05416F3C4C30}"/>
               </a:ext>
             </a:extLst>
           </p:cNvPr>
@@ -488,7 +488,7 @@
           <p:cNvPr id="6" name="灯片编号占位符 5">
             <a:extLst>
               <a:ext uri="{FF2B5EF4-FFF2-40B4-BE49-F238E27FC236}">
-                <a16:creationId xmlns:a16="http://schemas.microsoft.com/office/drawing/2014/main" id="{8D1A12B4-921E-4B3B-3EF0-B0505B7A4411}"/>
+                <a16:creationId xmlns:a16="http://schemas.microsoft.com/office/drawing/2014/main" id="{A914A556-B0BC-3C48-9DAA-14E6280F1A1C}"/>
               </a:ext>
             </a:extLst>
           </p:cNvPr>
@@ -504,7 +504,7 @@
           <a:bodyPr/>
           <a:lstStyle/>
           <a:p>
-            <a:fld id="{374B02B2-6097-4865-AEB7-FAC45814F4D7}" type="slidenum">
+            <a:fld id="{551CD603-F19E-4870-AD9D-81E467D363A6}" type="slidenum">
               <a:rPr lang="zh-CN" altLang="en-US" smtClean="0"/>
               <a:t>‹#›</a:t>
             </a:fld>
@@ -515,7 +515,7 @@
     </p:spTree>
     <p:extLst>
       <p:ext uri="{BB962C8B-B14F-4D97-AF65-F5344CB8AC3E}">
-        <p14:creationId xmlns:p14="http://schemas.microsoft.com/office/powerpoint/2010/main" val="251868367"/>
+        <p14:creationId xmlns:p14="http://schemas.microsoft.com/office/powerpoint/2010/main" val="1278284671"/>
       </p:ext>
     </p:extLst>
   </p:cSld>
@@ -547,7 +547,7 @@
           <p:cNvPr id="2" name="竖排标题 1">
             <a:extLst>
               <a:ext uri="{FF2B5EF4-FFF2-40B4-BE49-F238E27FC236}">
-                <a16:creationId xmlns:a16="http://schemas.microsoft.com/office/drawing/2014/main" id="{9B65222C-4F39-5434-A904-9B73E27FA383}"/>
+                <a16:creationId xmlns:a16="http://schemas.microsoft.com/office/drawing/2014/main" id="{3494A52D-EB5F-C646-51BB-15FBBD462AED}"/>
               </a:ext>
             </a:extLst>
           </p:cNvPr>
@@ -580,7 +580,7 @@
           <p:cNvPr id="3" name="竖排文字占位符 2">
             <a:extLst>
               <a:ext uri="{FF2B5EF4-FFF2-40B4-BE49-F238E27FC236}">
-                <a16:creationId xmlns:a16="http://schemas.microsoft.com/office/drawing/2014/main" id="{FE2F14DD-A40C-A439-0F7B-A7FDA65374E2}"/>
+                <a16:creationId xmlns:a16="http://schemas.microsoft.com/office/drawing/2014/main" id="{AA43BCA7-813C-569F-F314-08551A24F98B}"/>
               </a:ext>
             </a:extLst>
           </p:cNvPr>
@@ -642,7 +642,7 @@
           <p:cNvPr id="4" name="日期占位符 3">
             <a:extLst>
               <a:ext uri="{FF2B5EF4-FFF2-40B4-BE49-F238E27FC236}">
-                <a16:creationId xmlns:a16="http://schemas.microsoft.com/office/drawing/2014/main" id="{E347BBBA-3081-CC90-36A5-C372DA79A78B}"/>
+                <a16:creationId xmlns:a16="http://schemas.microsoft.com/office/drawing/2014/main" id="{13B00B75-F8A8-C467-2888-C1C5DD9A9EE8}"/>
               </a:ext>
             </a:extLst>
           </p:cNvPr>
@@ -658,7 +658,7 @@
           <a:bodyPr/>
           <a:lstStyle/>
           <a:p>
-            <a:fld id="{1E23F537-17FB-461F-ADA4-9FF4B9BEA363}" type="datetimeFigureOut">
+            <a:fld id="{89B7F464-0B56-4FF2-8A4E-D35ED3FC3167}" type="datetimeFigureOut">
               <a:rPr lang="zh-CN" altLang="en-US" smtClean="0"/>
               <a:t>2024/3/10</a:t>
             </a:fld>
@@ -671,7 +671,7 @@
           <p:cNvPr id="5" name="页脚占位符 4">
             <a:extLst>
               <a:ext uri="{FF2B5EF4-FFF2-40B4-BE49-F238E27FC236}">
-                <a16:creationId xmlns:a16="http://schemas.microsoft.com/office/drawing/2014/main" id="{23B910BC-0B9B-8458-5505-A36C39FDB560}"/>
+                <a16:creationId xmlns:a16="http://schemas.microsoft.com/office/drawing/2014/main" id="{3F50B56C-90FD-B59D-8DF8-000AF0914F52}"/>
               </a:ext>
             </a:extLst>
           </p:cNvPr>
@@ -696,7 +696,7 @@
           <p:cNvPr id="6" name="灯片编号占位符 5">
             <a:extLst>
               <a:ext uri="{FF2B5EF4-FFF2-40B4-BE49-F238E27FC236}">
-                <a16:creationId xmlns:a16="http://schemas.microsoft.com/office/drawing/2014/main" id="{8CE1D010-69EE-A314-032E-43B659EDB561}"/>
+                <a16:creationId xmlns:a16="http://schemas.microsoft.com/office/drawing/2014/main" id="{331CD3B1-F591-6E07-FBA5-5E6B56794100}"/>
               </a:ext>
             </a:extLst>
           </p:cNvPr>
@@ -712,7 +712,7 @@
           <a:bodyPr/>
           <a:lstStyle/>
           <a:p>
-            <a:fld id="{374B02B2-6097-4865-AEB7-FAC45814F4D7}" type="slidenum">
+            <a:fld id="{551CD603-F19E-4870-AD9D-81E467D363A6}" type="slidenum">
               <a:rPr lang="zh-CN" altLang="en-US" smtClean="0"/>
               <a:t>‹#›</a:t>
             </a:fld>
@@ -723,7 +723,7 @@
     </p:spTree>
     <p:extLst>
       <p:ext uri="{BB962C8B-B14F-4D97-AF65-F5344CB8AC3E}">
-        <p14:creationId xmlns:p14="http://schemas.microsoft.com/office/powerpoint/2010/main" val="1033784864"/>
+        <p14:creationId xmlns:p14="http://schemas.microsoft.com/office/powerpoint/2010/main" val="1139267892"/>
       </p:ext>
     </p:extLst>
   </p:cSld>
@@ -755,7 +755,7 @@
           <p:cNvPr id="2" name="标题 1">
             <a:extLst>
               <a:ext uri="{FF2B5EF4-FFF2-40B4-BE49-F238E27FC236}">
-                <a16:creationId xmlns:a16="http://schemas.microsoft.com/office/drawing/2014/main" id="{7E255C6A-7E77-07BF-D1DE-378F304D88CF}"/>
+                <a16:creationId xmlns:a16="http://schemas.microsoft.com/office/drawing/2014/main" id="{E7807458-4DA0-F095-E193-81F5A603F614}"/>
               </a:ext>
             </a:extLst>
           </p:cNvPr>
@@ -783,7 +783,7 @@
           <p:cNvPr id="3" name="内容占位符 2">
             <a:extLst>
               <a:ext uri="{FF2B5EF4-FFF2-40B4-BE49-F238E27FC236}">
-                <a16:creationId xmlns:a16="http://schemas.microsoft.com/office/drawing/2014/main" id="{B10109C9-2CCA-A929-BA7C-6EEA9EF53DC9}"/>
+                <a16:creationId xmlns:a16="http://schemas.microsoft.com/office/drawing/2014/main" id="{4495D5F0-4EEA-D725-A278-09CD4F12D685}"/>
               </a:ext>
             </a:extLst>
           </p:cNvPr>
@@ -840,7 +840,7 @@
           <p:cNvPr id="4" name="日期占位符 3">
             <a:extLst>
               <a:ext uri="{FF2B5EF4-FFF2-40B4-BE49-F238E27FC236}">
-                <a16:creationId xmlns:a16="http://schemas.microsoft.com/office/drawing/2014/main" id="{E5269FAF-066E-7549-60A1-921713EE4E43}"/>
+                <a16:creationId xmlns:a16="http://schemas.microsoft.com/office/drawing/2014/main" id="{B1D96F9E-9D6F-25DA-3623-58A3C3CFE266}"/>
               </a:ext>
             </a:extLst>
           </p:cNvPr>
@@ -856,7 +856,7 @@
           <a:bodyPr/>
           <a:lstStyle/>
           <a:p>
-            <a:fld id="{1E23F537-17FB-461F-ADA4-9FF4B9BEA363}" type="datetimeFigureOut">
+            <a:fld id="{89B7F464-0B56-4FF2-8A4E-D35ED3FC3167}" type="datetimeFigureOut">
               <a:rPr lang="zh-CN" altLang="en-US" smtClean="0"/>
               <a:t>2024/3/10</a:t>
             </a:fld>
@@ -869,7 +869,7 @@
           <p:cNvPr id="5" name="页脚占位符 4">
             <a:extLst>
               <a:ext uri="{FF2B5EF4-FFF2-40B4-BE49-F238E27FC236}">
-                <a16:creationId xmlns:a16="http://schemas.microsoft.com/office/drawing/2014/main" id="{399F35C0-0D27-E067-9599-705B16B457A9}"/>
+                <a16:creationId xmlns:a16="http://schemas.microsoft.com/office/drawing/2014/main" id="{B1E3E4C1-897F-B7D6-1B59-B738401C93C4}"/>
               </a:ext>
             </a:extLst>
           </p:cNvPr>
@@ -894,7 +894,7 @@
           <p:cNvPr id="6" name="灯片编号占位符 5">
             <a:extLst>
               <a:ext uri="{FF2B5EF4-FFF2-40B4-BE49-F238E27FC236}">
-                <a16:creationId xmlns:a16="http://schemas.microsoft.com/office/drawing/2014/main" id="{4915D7E5-5D94-B670-CB36-4173BB1425AD}"/>
+                <a16:creationId xmlns:a16="http://schemas.microsoft.com/office/drawing/2014/main" id="{FC298AC0-FC08-19D9-84D1-0D5810BA9510}"/>
               </a:ext>
             </a:extLst>
           </p:cNvPr>
@@ -910,7 +910,7 @@
           <a:bodyPr/>
           <a:lstStyle/>
           <a:p>
-            <a:fld id="{374B02B2-6097-4865-AEB7-FAC45814F4D7}" type="slidenum">
+            <a:fld id="{551CD603-F19E-4870-AD9D-81E467D363A6}" type="slidenum">
               <a:rPr lang="zh-CN" altLang="en-US" smtClean="0"/>
               <a:t>‹#›</a:t>
             </a:fld>
@@ -921,7 +921,7 @@
     </p:spTree>
     <p:extLst>
       <p:ext uri="{BB962C8B-B14F-4D97-AF65-F5344CB8AC3E}">
-        <p14:creationId xmlns:p14="http://schemas.microsoft.com/office/powerpoint/2010/main" val="1044710681"/>
+        <p14:creationId xmlns:p14="http://schemas.microsoft.com/office/powerpoint/2010/main" val="4048129643"/>
       </p:ext>
     </p:extLst>
   </p:cSld>
@@ -953,7 +953,7 @@
           <p:cNvPr id="2" name="标题 1">
             <a:extLst>
               <a:ext uri="{FF2B5EF4-FFF2-40B4-BE49-F238E27FC236}">
-                <a16:creationId xmlns:a16="http://schemas.microsoft.com/office/drawing/2014/main" id="{BF6CDE18-0DB8-62CB-6EF0-8DC4277AA99A}"/>
+                <a16:creationId xmlns:a16="http://schemas.microsoft.com/office/drawing/2014/main" id="{9822A962-B0FC-5D8E-4940-76405908D870}"/>
               </a:ext>
             </a:extLst>
           </p:cNvPr>
@@ -990,7 +990,7 @@
           <p:cNvPr id="3" name="文本占位符 2">
             <a:extLst>
               <a:ext uri="{FF2B5EF4-FFF2-40B4-BE49-F238E27FC236}">
-                <a16:creationId xmlns:a16="http://schemas.microsoft.com/office/drawing/2014/main" id="{1DABC033-1D83-5AE7-20FC-6E5396DC7A63}"/>
+                <a16:creationId xmlns:a16="http://schemas.microsoft.com/office/drawing/2014/main" id="{C24E8A72-765D-B4C6-9BDF-9DCE2E6A1651}"/>
               </a:ext>
             </a:extLst>
           </p:cNvPr>
@@ -1115,7 +1115,7 @@
           <p:cNvPr id="4" name="日期占位符 3">
             <a:extLst>
               <a:ext uri="{FF2B5EF4-FFF2-40B4-BE49-F238E27FC236}">
-                <a16:creationId xmlns:a16="http://schemas.microsoft.com/office/drawing/2014/main" id="{B3180471-12F6-A69D-C0EB-807BCFC88AE9}"/>
+                <a16:creationId xmlns:a16="http://schemas.microsoft.com/office/drawing/2014/main" id="{23830AA5-1241-5365-BAD8-993ECD054EDD}"/>
               </a:ext>
             </a:extLst>
           </p:cNvPr>
@@ -1131,7 +1131,7 @@
           <a:bodyPr/>
           <a:lstStyle/>
           <a:p>
-            <a:fld id="{1E23F537-17FB-461F-ADA4-9FF4B9BEA363}" type="datetimeFigureOut">
+            <a:fld id="{89B7F464-0B56-4FF2-8A4E-D35ED3FC3167}" type="datetimeFigureOut">
               <a:rPr lang="zh-CN" altLang="en-US" smtClean="0"/>
               <a:t>2024/3/10</a:t>
             </a:fld>
@@ -1144,7 +1144,7 @@
           <p:cNvPr id="5" name="页脚占位符 4">
             <a:extLst>
               <a:ext uri="{FF2B5EF4-FFF2-40B4-BE49-F238E27FC236}">
-                <a16:creationId xmlns:a16="http://schemas.microsoft.com/office/drawing/2014/main" id="{6D4DA7EE-BA2C-E878-7BC5-D283A5D0AD87}"/>
+                <a16:creationId xmlns:a16="http://schemas.microsoft.com/office/drawing/2014/main" id="{84D2F2F7-758B-E8FB-0249-84B5E83A1896}"/>
               </a:ext>
             </a:extLst>
           </p:cNvPr>
@@ -1169,7 +1169,7 @@
           <p:cNvPr id="6" name="灯片编号占位符 5">
             <a:extLst>
               <a:ext uri="{FF2B5EF4-FFF2-40B4-BE49-F238E27FC236}">
-                <a16:creationId xmlns:a16="http://schemas.microsoft.com/office/drawing/2014/main" id="{28B3C827-9AEB-EF5B-DD63-48779C433721}"/>
+                <a16:creationId xmlns:a16="http://schemas.microsoft.com/office/drawing/2014/main" id="{43BE14F1-3614-5409-52F0-08BC7EE8892A}"/>
               </a:ext>
             </a:extLst>
           </p:cNvPr>
@@ -1185,7 +1185,7 @@
           <a:bodyPr/>
           <a:lstStyle/>
           <a:p>
-            <a:fld id="{374B02B2-6097-4865-AEB7-FAC45814F4D7}" type="slidenum">
+            <a:fld id="{551CD603-F19E-4870-AD9D-81E467D363A6}" type="slidenum">
               <a:rPr lang="zh-CN" altLang="en-US" smtClean="0"/>
               <a:t>‹#›</a:t>
             </a:fld>
@@ -1196,7 +1196,7 @@
     </p:spTree>
     <p:extLst>
       <p:ext uri="{BB962C8B-B14F-4D97-AF65-F5344CB8AC3E}">
-        <p14:creationId xmlns:p14="http://schemas.microsoft.com/office/powerpoint/2010/main" val="2614450965"/>
+        <p14:creationId xmlns:p14="http://schemas.microsoft.com/office/powerpoint/2010/main" val="1535055606"/>
       </p:ext>
     </p:extLst>
   </p:cSld>
@@ -1228,7 +1228,7 @@
           <p:cNvPr id="2" name="标题 1">
             <a:extLst>
               <a:ext uri="{FF2B5EF4-FFF2-40B4-BE49-F238E27FC236}">
-                <a16:creationId xmlns:a16="http://schemas.microsoft.com/office/drawing/2014/main" id="{DB7AF5F1-F879-6038-38B5-67513385AC2C}"/>
+                <a16:creationId xmlns:a16="http://schemas.microsoft.com/office/drawing/2014/main" id="{46AB2C5F-DA4F-5A0A-3BC9-9A1F96DD680A}"/>
               </a:ext>
             </a:extLst>
           </p:cNvPr>
@@ -1256,7 +1256,7 @@
           <p:cNvPr id="3" name="内容占位符 2">
             <a:extLst>
               <a:ext uri="{FF2B5EF4-FFF2-40B4-BE49-F238E27FC236}">
-                <a16:creationId xmlns:a16="http://schemas.microsoft.com/office/drawing/2014/main" id="{0F4FF123-9C21-8B9B-19EB-F52B853EBABE}"/>
+                <a16:creationId xmlns:a16="http://schemas.microsoft.com/office/drawing/2014/main" id="{AE6B9A35-8FD7-49D4-5D92-C1481250DF7B}"/>
               </a:ext>
             </a:extLst>
           </p:cNvPr>
@@ -1318,7 +1318,7 @@
           <p:cNvPr id="4" name="内容占位符 3">
             <a:extLst>
               <a:ext uri="{FF2B5EF4-FFF2-40B4-BE49-F238E27FC236}">
-                <a16:creationId xmlns:a16="http://schemas.microsoft.com/office/drawing/2014/main" id="{407E7432-CC07-D4B7-5C00-E20323CBF9FE}"/>
+                <a16:creationId xmlns:a16="http://schemas.microsoft.com/office/drawing/2014/main" id="{C36F605C-A8D4-9500-35AA-4ECA2B9CA945}"/>
               </a:ext>
             </a:extLst>
           </p:cNvPr>
@@ -1380,7 +1380,7 @@
           <p:cNvPr id="5" name="日期占位符 4">
             <a:extLst>
               <a:ext uri="{FF2B5EF4-FFF2-40B4-BE49-F238E27FC236}">
-                <a16:creationId xmlns:a16="http://schemas.microsoft.com/office/drawing/2014/main" id="{94F5D7A6-29C5-EE1E-EFB1-8AB165DA717B}"/>
+                <a16:creationId xmlns:a16="http://schemas.microsoft.com/office/drawing/2014/main" id="{1F9690BC-EB10-F162-9BA2-D62CFBD4EEA2}"/>
               </a:ext>
             </a:extLst>
           </p:cNvPr>
@@ -1396,7 +1396,7 @@
           <a:bodyPr/>
           <a:lstStyle/>
           <a:p>
-            <a:fld id="{1E23F537-17FB-461F-ADA4-9FF4B9BEA363}" type="datetimeFigureOut">
+            <a:fld id="{89B7F464-0B56-4FF2-8A4E-D35ED3FC3167}" type="datetimeFigureOut">
               <a:rPr lang="zh-CN" altLang="en-US" smtClean="0"/>
               <a:t>2024/3/10</a:t>
             </a:fld>
@@ -1409,7 +1409,7 @@
           <p:cNvPr id="6" name="页脚占位符 5">
             <a:extLst>
               <a:ext uri="{FF2B5EF4-FFF2-40B4-BE49-F238E27FC236}">
-                <a16:creationId xmlns:a16="http://schemas.microsoft.com/office/drawing/2014/main" id="{A94B0A48-197A-08E5-A2AA-8BD60E60344B}"/>
+                <a16:creationId xmlns:a16="http://schemas.microsoft.com/office/drawing/2014/main" id="{AFF62D3C-42FD-2D24-8CEA-08E37F897A36}"/>
               </a:ext>
             </a:extLst>
           </p:cNvPr>
@@ -1434,7 +1434,7 @@
           <p:cNvPr id="7" name="灯片编号占位符 6">
             <a:extLst>
               <a:ext uri="{FF2B5EF4-FFF2-40B4-BE49-F238E27FC236}">
-                <a16:creationId xmlns:a16="http://schemas.microsoft.com/office/drawing/2014/main" id="{0A41CC4D-BC86-C4DC-0309-DF2CC3709FCF}"/>
+                <a16:creationId xmlns:a16="http://schemas.microsoft.com/office/drawing/2014/main" id="{0572EC06-C33B-FC7C-5A46-9673C606D38B}"/>
               </a:ext>
             </a:extLst>
           </p:cNvPr>
@@ -1450,7 +1450,7 @@
           <a:bodyPr/>
           <a:lstStyle/>
           <a:p>
-            <a:fld id="{374B02B2-6097-4865-AEB7-FAC45814F4D7}" type="slidenum">
+            <a:fld id="{551CD603-F19E-4870-AD9D-81E467D363A6}" type="slidenum">
               <a:rPr lang="zh-CN" altLang="en-US" smtClean="0"/>
               <a:t>‹#›</a:t>
             </a:fld>
@@ -1461,7 +1461,7 @@
     </p:spTree>
     <p:extLst>
       <p:ext uri="{BB962C8B-B14F-4D97-AF65-F5344CB8AC3E}">
-        <p14:creationId xmlns:p14="http://schemas.microsoft.com/office/powerpoint/2010/main" val="3994446208"/>
+        <p14:creationId xmlns:p14="http://schemas.microsoft.com/office/powerpoint/2010/main" val="2682212346"/>
       </p:ext>
     </p:extLst>
   </p:cSld>
@@ -1493,7 +1493,7 @@
           <p:cNvPr id="2" name="标题 1">
             <a:extLst>
               <a:ext uri="{FF2B5EF4-FFF2-40B4-BE49-F238E27FC236}">
-                <a16:creationId xmlns:a16="http://schemas.microsoft.com/office/drawing/2014/main" id="{A28A162B-1CF8-0681-E263-227A6E54BF23}"/>
+                <a16:creationId xmlns:a16="http://schemas.microsoft.com/office/drawing/2014/main" id="{841CA2F7-0ABB-30F1-DA90-2C407E15AC47}"/>
               </a:ext>
             </a:extLst>
           </p:cNvPr>
@@ -1526,7 +1526,7 @@
           <p:cNvPr id="3" name="文本占位符 2">
             <a:extLst>
               <a:ext uri="{FF2B5EF4-FFF2-40B4-BE49-F238E27FC236}">
-                <a16:creationId xmlns:a16="http://schemas.microsoft.com/office/drawing/2014/main" id="{D9881E15-8ECA-EAAC-4E88-C2C2D2EDC316}"/>
+                <a16:creationId xmlns:a16="http://schemas.microsoft.com/office/drawing/2014/main" id="{575655C1-57BE-A24D-2879-A8DF32FD82D7}"/>
               </a:ext>
             </a:extLst>
           </p:cNvPr>
@@ -1597,7 +1597,7 @@
           <p:cNvPr id="4" name="内容占位符 3">
             <a:extLst>
               <a:ext uri="{FF2B5EF4-FFF2-40B4-BE49-F238E27FC236}">
-                <a16:creationId xmlns:a16="http://schemas.microsoft.com/office/drawing/2014/main" id="{24944E6C-E8B6-8BD2-F33C-A2589206915D}"/>
+                <a16:creationId xmlns:a16="http://schemas.microsoft.com/office/drawing/2014/main" id="{6A7E29D7-36DC-5AAE-0D7E-03BD72C4515C}"/>
               </a:ext>
             </a:extLst>
           </p:cNvPr>
@@ -1659,7 +1659,7 @@
           <p:cNvPr id="5" name="文本占位符 4">
             <a:extLst>
               <a:ext uri="{FF2B5EF4-FFF2-40B4-BE49-F238E27FC236}">
-                <a16:creationId xmlns:a16="http://schemas.microsoft.com/office/drawing/2014/main" id="{D1C41070-DC5A-6DA0-B80D-84B1576C1807}"/>
+                <a16:creationId xmlns:a16="http://schemas.microsoft.com/office/drawing/2014/main" id="{432E2244-FD09-6698-9724-7FFCD7F878FD}"/>
               </a:ext>
             </a:extLst>
           </p:cNvPr>
@@ -1730,7 +1730,7 @@
           <p:cNvPr id="6" name="内容占位符 5">
             <a:extLst>
               <a:ext uri="{FF2B5EF4-FFF2-40B4-BE49-F238E27FC236}">
-                <a16:creationId xmlns:a16="http://schemas.microsoft.com/office/drawing/2014/main" id="{1185A955-4FC2-228A-846E-7B39AFDCAAA0}"/>
+                <a16:creationId xmlns:a16="http://schemas.microsoft.com/office/drawing/2014/main" id="{ADEDC826-89BA-F4B9-04B0-8206808940FB}"/>
               </a:ext>
             </a:extLst>
           </p:cNvPr>
@@ -1792,7 +1792,7 @@
           <p:cNvPr id="7" name="日期占位符 6">
             <a:extLst>
               <a:ext uri="{FF2B5EF4-FFF2-40B4-BE49-F238E27FC236}">
-                <a16:creationId xmlns:a16="http://schemas.microsoft.com/office/drawing/2014/main" id="{3A559257-FA0C-BD5B-35B8-D51DEBE542AB}"/>
+                <a16:creationId xmlns:a16="http://schemas.microsoft.com/office/drawing/2014/main" id="{E767E389-7FEB-4837-11DD-AD58C3E2841F}"/>
               </a:ext>
             </a:extLst>
           </p:cNvPr>
@@ -1808,7 +1808,7 @@
           <a:bodyPr/>
           <a:lstStyle/>
           <a:p>
-            <a:fld id="{1E23F537-17FB-461F-ADA4-9FF4B9BEA363}" type="datetimeFigureOut">
+            <a:fld id="{89B7F464-0B56-4FF2-8A4E-D35ED3FC3167}" type="datetimeFigureOut">
               <a:rPr lang="zh-CN" altLang="en-US" smtClean="0"/>
               <a:t>2024/3/10</a:t>
             </a:fld>
@@ -1821,7 +1821,7 @@
           <p:cNvPr id="8" name="页脚占位符 7">
             <a:extLst>
               <a:ext uri="{FF2B5EF4-FFF2-40B4-BE49-F238E27FC236}">
-                <a16:creationId xmlns:a16="http://schemas.microsoft.com/office/drawing/2014/main" id="{A93E3F80-7AA7-C0FA-D8A7-803BCF87795D}"/>
+                <a16:creationId xmlns:a16="http://schemas.microsoft.com/office/drawing/2014/main" id="{E4D2FE66-DFC1-9FD3-14FC-9496C313102D}"/>
               </a:ext>
             </a:extLst>
           </p:cNvPr>
@@ -1846,7 +1846,7 @@
           <p:cNvPr id="9" name="灯片编号占位符 8">
             <a:extLst>
               <a:ext uri="{FF2B5EF4-FFF2-40B4-BE49-F238E27FC236}">
-                <a16:creationId xmlns:a16="http://schemas.microsoft.com/office/drawing/2014/main" id="{93133B58-A51B-EC18-DD85-D6B1E1ACE8AF}"/>
+                <a16:creationId xmlns:a16="http://schemas.microsoft.com/office/drawing/2014/main" id="{64B2AD55-296C-CAEE-7F4A-370C6545F4A5}"/>
               </a:ext>
             </a:extLst>
           </p:cNvPr>
@@ -1862,7 +1862,7 @@
           <a:bodyPr/>
           <a:lstStyle/>
           <a:p>
-            <a:fld id="{374B02B2-6097-4865-AEB7-FAC45814F4D7}" type="slidenum">
+            <a:fld id="{551CD603-F19E-4870-AD9D-81E467D363A6}" type="slidenum">
               <a:rPr lang="zh-CN" altLang="en-US" smtClean="0"/>
               <a:t>‹#›</a:t>
             </a:fld>
@@ -1873,7 +1873,7 @@
     </p:spTree>
     <p:extLst>
       <p:ext uri="{BB962C8B-B14F-4D97-AF65-F5344CB8AC3E}">
-        <p14:creationId xmlns:p14="http://schemas.microsoft.com/office/powerpoint/2010/main" val="2525259110"/>
+        <p14:creationId xmlns:p14="http://schemas.microsoft.com/office/powerpoint/2010/main" val="1650793748"/>
       </p:ext>
     </p:extLst>
   </p:cSld>
@@ -1905,7 +1905,7 @@
           <p:cNvPr id="2" name="标题 1">
             <a:extLst>
               <a:ext uri="{FF2B5EF4-FFF2-40B4-BE49-F238E27FC236}">
-                <a16:creationId xmlns:a16="http://schemas.microsoft.com/office/drawing/2014/main" id="{E618F85C-6203-7B6C-8C79-3D9A7B1D7C34}"/>
+                <a16:creationId xmlns:a16="http://schemas.microsoft.com/office/drawing/2014/main" id="{BC231045-C452-6BE7-3691-F43C41272500}"/>
               </a:ext>
             </a:extLst>
           </p:cNvPr>
@@ -1933,7 +1933,7 @@
           <p:cNvPr id="3" name="日期占位符 2">
             <a:extLst>
               <a:ext uri="{FF2B5EF4-FFF2-40B4-BE49-F238E27FC236}">
-                <a16:creationId xmlns:a16="http://schemas.microsoft.com/office/drawing/2014/main" id="{89158B5B-F0A6-4216-12D4-CEC48857DDA7}"/>
+                <a16:creationId xmlns:a16="http://schemas.microsoft.com/office/drawing/2014/main" id="{FC2B83AB-7452-4A5A-5462-FFA90994E98A}"/>
               </a:ext>
             </a:extLst>
           </p:cNvPr>
@@ -1949,7 +1949,7 @@
           <a:bodyPr/>
           <a:lstStyle/>
           <a:p>
-            <a:fld id="{1E23F537-17FB-461F-ADA4-9FF4B9BEA363}" type="datetimeFigureOut">
+            <a:fld id="{89B7F464-0B56-4FF2-8A4E-D35ED3FC3167}" type="datetimeFigureOut">
               <a:rPr lang="zh-CN" altLang="en-US" smtClean="0"/>
               <a:t>2024/3/10</a:t>
             </a:fld>
@@ -1962,7 +1962,7 @@
           <p:cNvPr id="4" name="页脚占位符 3">
             <a:extLst>
               <a:ext uri="{FF2B5EF4-FFF2-40B4-BE49-F238E27FC236}">
-                <a16:creationId xmlns:a16="http://schemas.microsoft.com/office/drawing/2014/main" id="{BAA4F7D3-2827-4560-BCC1-B685BDC20DE1}"/>
+                <a16:creationId xmlns:a16="http://schemas.microsoft.com/office/drawing/2014/main" id="{0B655C9B-8D88-F085-E9BF-A02A5E4478E2}"/>
               </a:ext>
             </a:extLst>
           </p:cNvPr>
@@ -1987,7 +1987,7 @@
           <p:cNvPr id="5" name="灯片编号占位符 4">
             <a:extLst>
               <a:ext uri="{FF2B5EF4-FFF2-40B4-BE49-F238E27FC236}">
-                <a16:creationId xmlns:a16="http://schemas.microsoft.com/office/drawing/2014/main" id="{428C1567-95AF-CCE0-AE84-2CE375D10736}"/>
+                <a16:creationId xmlns:a16="http://schemas.microsoft.com/office/drawing/2014/main" id="{38664C32-EF3D-E97C-A150-FEB9656352EE}"/>
               </a:ext>
             </a:extLst>
           </p:cNvPr>
@@ -2003,7 +2003,7 @@
           <a:bodyPr/>
           <a:lstStyle/>
           <a:p>
-            <a:fld id="{374B02B2-6097-4865-AEB7-FAC45814F4D7}" type="slidenum">
+            <a:fld id="{551CD603-F19E-4870-AD9D-81E467D363A6}" type="slidenum">
               <a:rPr lang="zh-CN" altLang="en-US" smtClean="0"/>
               <a:t>‹#›</a:t>
             </a:fld>
@@ -2014,7 +2014,7 @@
     </p:spTree>
     <p:extLst>
       <p:ext uri="{BB962C8B-B14F-4D97-AF65-F5344CB8AC3E}">
-        <p14:creationId xmlns:p14="http://schemas.microsoft.com/office/powerpoint/2010/main" val="4209131768"/>
+        <p14:creationId xmlns:p14="http://schemas.microsoft.com/office/powerpoint/2010/main" val="1587889524"/>
       </p:ext>
     </p:extLst>
   </p:cSld>
@@ -2046,7 +2046,7 @@
           <p:cNvPr id="2" name="日期占位符 1">
             <a:extLst>
               <a:ext uri="{FF2B5EF4-FFF2-40B4-BE49-F238E27FC236}">
-                <a16:creationId xmlns:a16="http://schemas.microsoft.com/office/drawing/2014/main" id="{40CBB271-CDEA-B6AE-49EB-884F2990DB0C}"/>
+                <a16:creationId xmlns:a16="http://schemas.microsoft.com/office/drawing/2014/main" id="{D442D261-2295-798B-62EE-10C995E97A3A}"/>
               </a:ext>
             </a:extLst>
           </p:cNvPr>
@@ -2062,7 +2062,7 @@
           <a:bodyPr/>
           <a:lstStyle/>
           <a:p>
-            <a:fld id="{1E23F537-17FB-461F-ADA4-9FF4B9BEA363}" type="datetimeFigureOut">
+            <a:fld id="{89B7F464-0B56-4FF2-8A4E-D35ED3FC3167}" type="datetimeFigureOut">
               <a:rPr lang="zh-CN" altLang="en-US" smtClean="0"/>
               <a:t>2024/3/10</a:t>
             </a:fld>
@@ -2075,7 +2075,7 @@
           <p:cNvPr id="3" name="页脚占位符 2">
             <a:extLst>
               <a:ext uri="{FF2B5EF4-FFF2-40B4-BE49-F238E27FC236}">
-                <a16:creationId xmlns:a16="http://schemas.microsoft.com/office/drawing/2014/main" id="{E91B7644-4BA6-2907-5ED2-DFFF7CE65760}"/>
+                <a16:creationId xmlns:a16="http://schemas.microsoft.com/office/drawing/2014/main" id="{F2D091F0-02D9-8535-A1E4-E9F81FB4BBF4}"/>
               </a:ext>
             </a:extLst>
           </p:cNvPr>
@@ -2100,7 +2100,7 @@
           <p:cNvPr id="4" name="灯片编号占位符 3">
             <a:extLst>
               <a:ext uri="{FF2B5EF4-FFF2-40B4-BE49-F238E27FC236}">
-                <a16:creationId xmlns:a16="http://schemas.microsoft.com/office/drawing/2014/main" id="{2D067CD0-7033-5667-EF8D-5A95ED9AD68E}"/>
+                <a16:creationId xmlns:a16="http://schemas.microsoft.com/office/drawing/2014/main" id="{3E54D580-7FFF-FF12-4E59-60EB724F1397}"/>
               </a:ext>
             </a:extLst>
           </p:cNvPr>
@@ -2116,7 +2116,7 @@
           <a:bodyPr/>
           <a:lstStyle/>
           <a:p>
-            <a:fld id="{374B02B2-6097-4865-AEB7-FAC45814F4D7}" type="slidenum">
+            <a:fld id="{551CD603-F19E-4870-AD9D-81E467D363A6}" type="slidenum">
               <a:rPr lang="zh-CN" altLang="en-US" smtClean="0"/>
               <a:t>‹#›</a:t>
             </a:fld>
@@ -2127,7 +2127,7 @@
     </p:spTree>
     <p:extLst>
       <p:ext uri="{BB962C8B-B14F-4D97-AF65-F5344CB8AC3E}">
-        <p14:creationId xmlns:p14="http://schemas.microsoft.com/office/powerpoint/2010/main" val="3578634615"/>
+        <p14:creationId xmlns:p14="http://schemas.microsoft.com/office/powerpoint/2010/main" val="1622634470"/>
       </p:ext>
     </p:extLst>
   </p:cSld>
@@ -2159,7 +2159,7 @@
           <p:cNvPr id="2" name="标题 1">
             <a:extLst>
               <a:ext uri="{FF2B5EF4-FFF2-40B4-BE49-F238E27FC236}">
-                <a16:creationId xmlns:a16="http://schemas.microsoft.com/office/drawing/2014/main" id="{5B3AD835-B3BD-1F71-E2B0-13379C0ECB42}"/>
+                <a16:creationId xmlns:a16="http://schemas.microsoft.com/office/drawing/2014/main" id="{0CDB22A6-18C2-1D9D-D5A9-BE88FD4076A3}"/>
               </a:ext>
             </a:extLst>
           </p:cNvPr>
@@ -2196,7 +2196,7 @@
           <p:cNvPr id="3" name="内容占位符 2">
             <a:extLst>
               <a:ext uri="{FF2B5EF4-FFF2-40B4-BE49-F238E27FC236}">
-                <a16:creationId xmlns:a16="http://schemas.microsoft.com/office/drawing/2014/main" id="{FF542A58-3BDA-99F7-2681-6A58A89B15B0}"/>
+                <a16:creationId xmlns:a16="http://schemas.microsoft.com/office/drawing/2014/main" id="{1F08A4A9-E65D-31F0-5809-733A9C2FDC11}"/>
               </a:ext>
             </a:extLst>
           </p:cNvPr>
@@ -2286,7 +2286,7 @@
           <p:cNvPr id="4" name="文本占位符 3">
             <a:extLst>
               <a:ext uri="{FF2B5EF4-FFF2-40B4-BE49-F238E27FC236}">
-                <a16:creationId xmlns:a16="http://schemas.microsoft.com/office/drawing/2014/main" id="{D2A61D9D-CE3A-83BB-71FF-EE9BAFFF7FB8}"/>
+                <a16:creationId xmlns:a16="http://schemas.microsoft.com/office/drawing/2014/main" id="{DC47662F-E9DC-98F7-CCD1-A6501E582844}"/>
               </a:ext>
             </a:extLst>
           </p:cNvPr>
@@ -2357,7 +2357,7 @@
           <p:cNvPr id="5" name="日期占位符 4">
             <a:extLst>
               <a:ext uri="{FF2B5EF4-FFF2-40B4-BE49-F238E27FC236}">
-                <a16:creationId xmlns:a16="http://schemas.microsoft.com/office/drawing/2014/main" id="{2B8243D9-FCE8-D083-0847-3AAA4A253A74}"/>
+                <a16:creationId xmlns:a16="http://schemas.microsoft.com/office/drawing/2014/main" id="{FB62EFA5-B161-F048-A70B-0325A318D666}"/>
               </a:ext>
             </a:extLst>
           </p:cNvPr>
@@ -2373,7 +2373,7 @@
           <a:bodyPr/>
           <a:lstStyle/>
           <a:p>
-            <a:fld id="{1E23F537-17FB-461F-ADA4-9FF4B9BEA363}" type="datetimeFigureOut">
+            <a:fld id="{89B7F464-0B56-4FF2-8A4E-D35ED3FC3167}" type="datetimeFigureOut">
               <a:rPr lang="zh-CN" altLang="en-US" smtClean="0"/>
               <a:t>2024/3/10</a:t>
             </a:fld>
@@ -2386,7 +2386,7 @@
           <p:cNvPr id="6" name="页脚占位符 5">
             <a:extLst>
               <a:ext uri="{FF2B5EF4-FFF2-40B4-BE49-F238E27FC236}">
-                <a16:creationId xmlns:a16="http://schemas.microsoft.com/office/drawing/2014/main" id="{B698EA30-2966-FBDC-A0AE-FDEEEC823241}"/>
+                <a16:creationId xmlns:a16="http://schemas.microsoft.com/office/drawing/2014/main" id="{BF7F35DE-2AF2-2C1A-3883-90CE4EC13CCA}"/>
               </a:ext>
             </a:extLst>
           </p:cNvPr>
@@ -2411,7 +2411,7 @@
           <p:cNvPr id="7" name="灯片编号占位符 6">
             <a:extLst>
               <a:ext uri="{FF2B5EF4-FFF2-40B4-BE49-F238E27FC236}">
-                <a16:creationId xmlns:a16="http://schemas.microsoft.com/office/drawing/2014/main" id="{614393F0-9EC0-79D5-0A8A-888538D7EABF}"/>
+                <a16:creationId xmlns:a16="http://schemas.microsoft.com/office/drawing/2014/main" id="{884DF95E-BA91-A1FC-A5B5-D99C96FC7B2E}"/>
               </a:ext>
             </a:extLst>
           </p:cNvPr>
@@ -2427,7 +2427,7 @@
           <a:bodyPr/>
           <a:lstStyle/>
           <a:p>
-            <a:fld id="{374B02B2-6097-4865-AEB7-FAC45814F4D7}" type="slidenum">
+            <a:fld id="{551CD603-F19E-4870-AD9D-81E467D363A6}" type="slidenum">
               <a:rPr lang="zh-CN" altLang="en-US" smtClean="0"/>
               <a:t>‹#›</a:t>
             </a:fld>
@@ -2438,7 +2438,7 @@
     </p:spTree>
     <p:extLst>
       <p:ext uri="{BB962C8B-B14F-4D97-AF65-F5344CB8AC3E}">
-        <p14:creationId xmlns:p14="http://schemas.microsoft.com/office/powerpoint/2010/main" val="1958760913"/>
+        <p14:creationId xmlns:p14="http://schemas.microsoft.com/office/powerpoint/2010/main" val="1772316695"/>
       </p:ext>
     </p:extLst>
   </p:cSld>
@@ -2470,7 +2470,7 @@
           <p:cNvPr id="2" name="标题 1">
             <a:extLst>
               <a:ext uri="{FF2B5EF4-FFF2-40B4-BE49-F238E27FC236}">
-                <a16:creationId xmlns:a16="http://schemas.microsoft.com/office/drawing/2014/main" id="{7EFCDBF2-D0F2-78BF-47C3-C443E0C556D2}"/>
+                <a16:creationId xmlns:a16="http://schemas.microsoft.com/office/drawing/2014/main" id="{76227B23-3C09-7B27-C1F2-5E3115A49509}"/>
               </a:ext>
             </a:extLst>
           </p:cNvPr>
@@ -2507,7 +2507,7 @@
           <p:cNvPr id="3" name="图片占位符 2">
             <a:extLst>
               <a:ext uri="{FF2B5EF4-FFF2-40B4-BE49-F238E27FC236}">
-                <a16:creationId xmlns:a16="http://schemas.microsoft.com/office/drawing/2014/main" id="{8E18CDA9-02C7-0F9A-49CF-B5D3216B39BE}"/>
+                <a16:creationId xmlns:a16="http://schemas.microsoft.com/office/drawing/2014/main" id="{2866FD3F-1C2B-A61E-4996-D169D6C77DA1}"/>
               </a:ext>
             </a:extLst>
           </p:cNvPr>
@@ -2574,7 +2574,7 @@
           <p:cNvPr id="4" name="文本占位符 3">
             <a:extLst>
               <a:ext uri="{FF2B5EF4-FFF2-40B4-BE49-F238E27FC236}">
-                <a16:creationId xmlns:a16="http://schemas.microsoft.com/office/drawing/2014/main" id="{CCBE800C-A500-33DD-C108-D193E37FC75B}"/>
+                <a16:creationId xmlns:a16="http://schemas.microsoft.com/office/drawing/2014/main" id="{1D5A1F40-F965-9ECC-D91F-C5BAC3A4DB74}"/>
               </a:ext>
             </a:extLst>
           </p:cNvPr>
@@ -2645,7 +2645,7 @@
           <p:cNvPr id="5" name="日期占位符 4">
             <a:extLst>
               <a:ext uri="{FF2B5EF4-FFF2-40B4-BE49-F238E27FC236}">
-                <a16:creationId xmlns:a16="http://schemas.microsoft.com/office/drawing/2014/main" id="{43A4C635-DBB7-1F43-E337-308EA0A71124}"/>
+                <a16:creationId xmlns:a16="http://schemas.microsoft.com/office/drawing/2014/main" id="{CB602858-9E2B-59D7-A6D3-D98C5DCAC345}"/>
               </a:ext>
             </a:extLst>
           </p:cNvPr>
@@ -2661,7 +2661,7 @@
           <a:bodyPr/>
           <a:lstStyle/>
           <a:p>
-            <a:fld id="{1E23F537-17FB-461F-ADA4-9FF4B9BEA363}" type="datetimeFigureOut">
+            <a:fld id="{89B7F464-0B56-4FF2-8A4E-D35ED3FC3167}" type="datetimeFigureOut">
               <a:rPr lang="zh-CN" altLang="en-US" smtClean="0"/>
               <a:t>2024/3/10</a:t>
             </a:fld>
@@ -2674,7 +2674,7 @@
           <p:cNvPr id="6" name="页脚占位符 5">
             <a:extLst>
               <a:ext uri="{FF2B5EF4-FFF2-40B4-BE49-F238E27FC236}">
-                <a16:creationId xmlns:a16="http://schemas.microsoft.com/office/drawing/2014/main" id="{2989CB47-9686-E1F6-6D8C-859FFCB8EC8D}"/>
+                <a16:creationId xmlns:a16="http://schemas.microsoft.com/office/drawing/2014/main" id="{805876EE-D600-B8D5-7B31-58B829880949}"/>
               </a:ext>
             </a:extLst>
           </p:cNvPr>
@@ -2699,7 +2699,7 @@
           <p:cNvPr id="7" name="灯片编号占位符 6">
             <a:extLst>
               <a:ext uri="{FF2B5EF4-FFF2-40B4-BE49-F238E27FC236}">
-                <a16:creationId xmlns:a16="http://schemas.microsoft.com/office/drawing/2014/main" id="{D4748E19-65B9-BB67-1E34-F626B0A701F6}"/>
+                <a16:creationId xmlns:a16="http://schemas.microsoft.com/office/drawing/2014/main" id="{0F61CE32-7F65-6F17-90C2-A548483713E1}"/>
               </a:ext>
             </a:extLst>
           </p:cNvPr>
@@ -2715,7 +2715,7 @@
           <a:bodyPr/>
           <a:lstStyle/>
           <a:p>
-            <a:fld id="{374B02B2-6097-4865-AEB7-FAC45814F4D7}" type="slidenum">
+            <a:fld id="{551CD603-F19E-4870-AD9D-81E467D363A6}" type="slidenum">
               <a:rPr lang="zh-CN" altLang="en-US" smtClean="0"/>
               <a:t>‹#›</a:t>
             </a:fld>
@@ -2726,7 +2726,7 @@
     </p:spTree>
     <p:extLst>
       <p:ext uri="{BB962C8B-B14F-4D97-AF65-F5344CB8AC3E}">
-        <p14:creationId xmlns:p14="http://schemas.microsoft.com/office/powerpoint/2010/main" val="1939537900"/>
+        <p14:creationId xmlns:p14="http://schemas.microsoft.com/office/powerpoint/2010/main" val="72074058"/>
       </p:ext>
     </p:extLst>
   </p:cSld>
@@ -2763,7 +2763,7 @@
           <p:cNvPr id="2" name="标题占位符 1">
             <a:extLst>
               <a:ext uri="{FF2B5EF4-FFF2-40B4-BE49-F238E27FC236}">
-                <a16:creationId xmlns:a16="http://schemas.microsoft.com/office/drawing/2014/main" id="{37300490-F0CA-C52C-106E-4E7B115F7FA5}"/>
+                <a16:creationId xmlns:a16="http://schemas.microsoft.com/office/drawing/2014/main" id="{83EF9194-B85D-E50B-1FB1-8F45D3DC6805}"/>
               </a:ext>
             </a:extLst>
           </p:cNvPr>
@@ -2801,7 +2801,7 @@
           <p:cNvPr id="3" name="文本占位符 2">
             <a:extLst>
               <a:ext uri="{FF2B5EF4-FFF2-40B4-BE49-F238E27FC236}">
-                <a16:creationId xmlns:a16="http://schemas.microsoft.com/office/drawing/2014/main" id="{6B169E9B-87E9-28EE-F697-7869700984EE}"/>
+                <a16:creationId xmlns:a16="http://schemas.microsoft.com/office/drawing/2014/main" id="{D6CAB82D-9A46-C486-0C65-03AF9ED7BC05}"/>
               </a:ext>
             </a:extLst>
           </p:cNvPr>
@@ -2868,7 +2868,7 @@
           <p:cNvPr id="4" name="日期占位符 3">
             <a:extLst>
               <a:ext uri="{FF2B5EF4-FFF2-40B4-BE49-F238E27FC236}">
-                <a16:creationId xmlns:a16="http://schemas.microsoft.com/office/drawing/2014/main" id="{7895D132-6B6E-4948-9F3A-76CD39A12E71}"/>
+                <a16:creationId xmlns:a16="http://schemas.microsoft.com/office/drawing/2014/main" id="{3CBDD6E8-BA3A-AAB1-0B6A-F1916D2D152C}"/>
               </a:ext>
             </a:extLst>
           </p:cNvPr>
@@ -2902,7 +2902,7 @@
             </a:lvl1pPr>
           </a:lstStyle>
           <a:p>
-            <a:fld id="{1E23F537-17FB-461F-ADA4-9FF4B9BEA363}" type="datetimeFigureOut">
+            <a:fld id="{89B7F464-0B56-4FF2-8A4E-D35ED3FC3167}" type="datetimeFigureOut">
               <a:rPr lang="zh-CN" altLang="en-US" smtClean="0"/>
               <a:t>2024/3/10</a:t>
             </a:fld>
@@ -2915,7 +2915,7 @@
           <p:cNvPr id="5" name="页脚占位符 4">
             <a:extLst>
               <a:ext uri="{FF2B5EF4-FFF2-40B4-BE49-F238E27FC236}">
-                <a16:creationId xmlns:a16="http://schemas.microsoft.com/office/drawing/2014/main" id="{D29516A2-4292-DB95-9AB4-3BE7EB1F5EA9}"/>
+                <a16:creationId xmlns:a16="http://schemas.microsoft.com/office/drawing/2014/main" id="{622D4B7F-4C16-ECB9-0ACA-5F257721D8C2}"/>
               </a:ext>
             </a:extLst>
           </p:cNvPr>
@@ -2958,7 +2958,7 @@
           <p:cNvPr id="6" name="灯片编号占位符 5">
             <a:extLst>
               <a:ext uri="{FF2B5EF4-FFF2-40B4-BE49-F238E27FC236}">
-                <a16:creationId xmlns:a16="http://schemas.microsoft.com/office/drawing/2014/main" id="{1A135B81-A6AE-1035-1D3C-C42AC27BF497}"/>
+                <a16:creationId xmlns:a16="http://schemas.microsoft.com/office/drawing/2014/main" id="{D06B6F60-14DC-3E82-5BE7-7C8D7D8FE977}"/>
               </a:ext>
             </a:extLst>
           </p:cNvPr>
@@ -2992,7 +2992,7 @@
             </a:lvl1pPr>
           </a:lstStyle>
           <a:p>
-            <a:fld id="{374B02B2-6097-4865-AEB7-FAC45814F4D7}" type="slidenum">
+            <a:fld id="{551CD603-F19E-4870-AD9D-81E467D363A6}" type="slidenum">
               <a:rPr lang="zh-CN" altLang="en-US" smtClean="0"/>
               <a:t>‹#›</a:t>
             </a:fld>
@@ -3003,7 +3003,7 @@
     </p:spTree>
     <p:extLst>
       <p:ext uri="{BB962C8B-B14F-4D97-AF65-F5344CB8AC3E}">
-        <p14:creationId xmlns:p14="http://schemas.microsoft.com/office/powerpoint/2010/main" val="2215155300"/>
+        <p14:creationId xmlns:p14="http://schemas.microsoft.com/office/powerpoint/2010/main" val="715393794"/>
       </p:ext>
     </p:extLst>
   </p:cSld>
